--- a/OMOK.pptx
+++ b/OMOK.pptx
@@ -3266,6 +3266,18 @@
           <a:lstStyle/>
           <a:p>
             <a:pPr algn="r"/>
+            <a:r>
+              <a:rPr lang="en-US" altLang="ko-KR" sz="1600">
+                <a:solidFill>
+                  <a:schemeClr val="bg1">
+                    <a:lumMod val="50000"/>
+                  </a:schemeClr>
+                </a:solidFill>
+                <a:latin typeface="나눔스퀘어 Bold" panose="020B0600000101010101" pitchFamily="50" charset="-127"/>
+                <a:ea typeface="나눔스퀘어 Bold" panose="020B0600000101010101" pitchFamily="50" charset="-127"/>
+              </a:rPr>
+              <a:t>2016115179 </a:t>
+            </a:r>
             <a:r>
               <a:rPr lang="ko-KR" altLang="en-US" sz="1600">
                 <a:solidFill>
